--- a/Проект Шифр RSA.pptx
+++ b/Проект Шифр RSA.pptx
@@ -22,8 +22,9 @@
     <p:sldId id="276" r:id="rId16"/>
     <p:sldId id="271" r:id="rId17"/>
     <p:sldId id="272" r:id="rId18"/>
-    <p:sldId id="277" r:id="rId19"/>
-    <p:sldId id="278" r:id="rId20"/>
+    <p:sldId id="279" r:id="rId19"/>
+    <p:sldId id="277" r:id="rId20"/>
+    <p:sldId id="278" r:id="rId21"/>
   </p:sldIdLst>
   <p:sldSz cx="9144000" cy="6858000" type="screen4x3"/>
   <p:notesSz cx="6858000" cy="9144000"/>
@@ -4347,11 +4348,7 @@
             </a:r>
             <a:r>
               <a:rPr lang="ru-RU" sz="1300" dirty="0" smtClean="0"/>
-              <a:t>Ади </a:t>
-            </a:r>
-            <a:r>
-              <a:rPr lang="ru-RU" sz="1300" dirty="0" smtClean="0"/>
-              <a:t>Шамир</a:t>
+              <a:t>Ади Шамир</a:t>
             </a:r>
             <a:r>
               <a:rPr lang="en-US" sz="1300" dirty="0" smtClean="0"/>
@@ -4359,19 +4356,7 @@
             </a:r>
             <a:r>
               <a:rPr lang="ru-RU" sz="1400" dirty="0" smtClean="0"/>
-              <a:t>Рональд </a:t>
-            </a:r>
-            <a:r>
-              <a:rPr lang="ru-RU" sz="1400" dirty="0" smtClean="0"/>
-              <a:t>Ривест, </a:t>
-            </a:r>
-            <a:r>
-              <a:rPr lang="ru-RU" sz="1400" dirty="0" smtClean="0"/>
-              <a:t>Леонард </a:t>
-            </a:r>
-            <a:r>
-              <a:rPr lang="ru-RU" sz="1400" dirty="0" smtClean="0"/>
-              <a:t>Адлеман)</a:t>
+              <a:t>Рональд Ривест, Леонард Адлеман)</a:t>
             </a:r>
             <a:endParaRPr lang="ru-RU" sz="1300" dirty="0"/>
           </a:p>
@@ -4736,13 +4721,17 @@
           <a:bodyPr/>
           <a:lstStyle/>
           <a:p>
+            <a:r>
+              <a:rPr lang="ru-RU" dirty="0" smtClean="0"/>
+              <a:t>Страница проекта</a:t>
+            </a:r>
             <a:endParaRPr lang="ru-RU" dirty="0"/>
           </a:p>
         </p:txBody>
       </p:sp>
       <p:pic>
         <p:nvPicPr>
-          <p:cNvPr id="28674" name="Picture 2"/>
+          <p:cNvPr id="1026" name="Picture 2"/>
           <p:cNvPicPr>
             <a:picLocks noChangeAspect="1" noChangeArrowheads="1"/>
           </p:cNvPicPr>
@@ -4757,8 +4746,8 @@
         </p:blipFill>
         <p:spPr bwMode="auto">
           <a:xfrm>
-            <a:off x="142844" y="714356"/>
-            <a:ext cx="8875835" cy="4505335"/>
+            <a:off x="285720" y="1643050"/>
+            <a:ext cx="8572528" cy="4306366"/>
           </a:xfrm>
           <a:prstGeom prst="rect">
             <a:avLst/>
@@ -4815,36 +4804,54 @@
             <p:ph type="title"/>
           </p:nvPr>
         </p:nvSpPr>
-        <p:spPr>
-          <a:xfrm>
-            <a:off x="457200" y="274638"/>
-            <a:ext cx="8229600" cy="5654692"/>
-          </a:xfrm>
-        </p:spPr>
+        <p:spPr/>
         <p:txBody>
           <a:bodyPr/>
           <a:lstStyle/>
           <a:p>
             <a:r>
               <a:rPr lang="ru-RU" dirty="0" smtClean="0"/>
-              <a:t>Заключение</a:t>
+              <a:t>Пример работы</a:t>
             </a:r>
             <a:endParaRPr lang="ru-RU" dirty="0"/>
           </a:p>
         </p:txBody>
       </p:sp>
+      <p:pic>
+        <p:nvPicPr>
+          <p:cNvPr id="4" name="Рисунок 3"/>
+          <p:cNvPicPr/>
+          <p:nvPr/>
+        </p:nvPicPr>
+        <p:blipFill>
+          <a:blip r:embed="rId2"/>
+          <a:srcRect/>
+          <a:stretch>
+            <a:fillRect/>
+          </a:stretch>
+        </p:blipFill>
+        <p:spPr bwMode="auto">
+          <a:xfrm>
+            <a:off x="642910" y="1285860"/>
+            <a:ext cx="8072494" cy="5072098"/>
+          </a:xfrm>
+          <a:prstGeom prst="rect">
+            <a:avLst/>
+          </a:prstGeom>
+          <a:noFill/>
+          <a:ln w="9525">
+            <a:noFill/>
+            <a:miter lim="800000"/>
+            <a:headEnd/>
+            <a:tailEnd/>
+          </a:ln>
+        </p:spPr>
+      </p:pic>
     </p:spTree>
   </p:cSld>
   <p:clrMapOvr>
     <a:masterClrMapping/>
   </p:clrMapOvr>
-  <p:timing>
-    <p:tnLst>
-      <p:par>
-        <p:cTn id="1" dur="indefinite" restart="never" nodeType="tmRoot"/>
-      </p:par>
-    </p:tnLst>
-  </p:timing>
 </p:sld>
 </file>
 
@@ -4875,119 +4882,20 @@
             <p:ph type="title"/>
           </p:nvPr>
         </p:nvSpPr>
-        <p:spPr/>
+        <p:spPr>
+          <a:xfrm>
+            <a:off x="457200" y="274638"/>
+            <a:ext cx="8229600" cy="5654692"/>
+          </a:xfrm>
+        </p:spPr>
         <p:txBody>
           <a:bodyPr/>
           <a:lstStyle/>
           <a:p>
             <a:r>
               <a:rPr lang="ru-RU" dirty="0" smtClean="0"/>
-              <a:t>Ссылки</a:t>
-            </a:r>
-            <a:endParaRPr lang="ru-RU" dirty="0"/>
-          </a:p>
-        </p:txBody>
-      </p:sp>
-      <p:sp>
-        <p:nvSpPr>
-          <p:cNvPr id="3" name="Содержимое 2"/>
-          <p:cNvSpPr>
-            <a:spLocks noGrp="1"/>
-          </p:cNvSpPr>
-          <p:nvPr>
-            <p:ph idx="1"/>
-          </p:nvPr>
-        </p:nvSpPr>
-        <p:spPr/>
-        <p:txBody>
-          <a:bodyPr>
-            <a:normAutofit fontScale="77500" lnSpcReduction="20000"/>
-          </a:bodyPr>
-          <a:lstStyle/>
-          <a:p>
-            <a:pPr>
-              <a:buNone/>
-            </a:pPr>
-            <a:r>
-              <a:rPr lang="ru-RU" dirty="0" smtClean="0"/>
-              <a:t>В основу проекта легла 1 и 6 открытые лекция «Защита информации» МФТИ:</a:t>
-            </a:r>
-          </a:p>
-          <a:p>
-            <a:r>
-              <a:rPr lang="ru-RU" u="sng" dirty="0" smtClean="0">
-                <a:hlinkClick r:id="rId2"/>
-              </a:rPr>
-              <a:t>https://www.youtube.com/watch?v=oogljMO_5wo&amp;list=PL2jwxGybEFiuQVQtrLPaH7GNB8ak29634&amp;index=1</a:t>
-            </a:r>
-            <a:endParaRPr lang="ru-RU" dirty="0" smtClean="0"/>
-          </a:p>
-          <a:p>
-            <a:r>
-              <a:rPr lang="ru-RU" u="sng" dirty="0" smtClean="0">
-                <a:hlinkClick r:id="rId3"/>
-              </a:rPr>
-              <a:t>https://www.youtube.com/watch?v=aupLf4aBjzE&amp;list=PL2jwxGybEFiuQVQtrLPaH7GNB8ak29634&amp;index=6</a:t>
-            </a:r>
-            <a:endParaRPr lang="ru-RU" dirty="0" smtClean="0"/>
-          </a:p>
-          <a:p>
-            <a:pPr>
-              <a:buNone/>
-            </a:pPr>
-            <a:endParaRPr lang="ru-RU" dirty="0" smtClean="0"/>
-          </a:p>
-          <a:p>
-            <a:pPr>
-              <a:buNone/>
-            </a:pPr>
-            <a:r>
-              <a:rPr lang="ru-RU" dirty="0" smtClean="0"/>
-              <a:t>Программа</a:t>
-            </a:r>
-            <a:r>
-              <a:rPr lang="ru-RU" dirty="0" smtClean="0"/>
-              <a:t>:</a:t>
-            </a:r>
-          </a:p>
-          <a:p>
-            <a:r>
-              <a:rPr lang="ru-RU" u="sng" dirty="0" smtClean="0">
-                <a:hlinkClick r:id="rId4"/>
-              </a:rPr>
-              <a:t>https://github.com/alexKudryavtsev-web</a:t>
-            </a:r>
-            <a:endParaRPr lang="ru-RU" dirty="0" smtClean="0"/>
-          </a:p>
-          <a:p>
-            <a:pPr>
-              <a:buNone/>
-            </a:pPr>
-            <a:endParaRPr lang="ru-RU" dirty="0" smtClean="0"/>
-          </a:p>
-          <a:p>
-            <a:pPr>
-              <a:buNone/>
-            </a:pPr>
-            <a:r>
-              <a:rPr lang="ru-RU" dirty="0" smtClean="0"/>
-              <a:t>Методичка </a:t>
-            </a:r>
-            <a:r>
-              <a:rPr lang="ru-RU" dirty="0" smtClean="0"/>
-              <a:t>по теории чисел:</a:t>
-            </a:r>
-          </a:p>
-          <a:p>
-            <a:r>
-              <a:rPr lang="ru-RU" u="sng" dirty="0" smtClean="0">
-                <a:hlinkClick r:id="rId5"/>
-              </a:rPr>
-              <a:t>https://4ege.ru/matematika/56198-teoriya-chisel.html</a:t>
-            </a:r>
-            <a:endParaRPr lang="ru-RU" dirty="0" smtClean="0"/>
-          </a:p>
-          <a:p>
+              <a:t>Заключение</a:t>
+            </a:r>
             <a:endParaRPr lang="ru-RU" dirty="0"/>
           </a:p>
         </p:txBody>
@@ -5078,6 +4986,171 @@
           <a:noFill/>
         </p:spPr>
       </p:pic>
+    </p:spTree>
+  </p:cSld>
+  <p:clrMapOvr>
+    <a:masterClrMapping/>
+  </p:clrMapOvr>
+  <p:timing>
+    <p:tnLst>
+      <p:par>
+        <p:cTn id="1" dur="indefinite" restart="never" nodeType="tmRoot"/>
+      </p:par>
+    </p:tnLst>
+  </p:timing>
+</p:sld>
+</file>
+
+<file path=ppt/slides/slide20.xml><?xml version="1.0" encoding="utf-8"?>
+<p:sld xmlns:a="http://schemas.openxmlformats.org/drawingml/2006/main" xmlns:r="http://schemas.openxmlformats.org/officeDocument/2006/relationships" xmlns:p="http://schemas.openxmlformats.org/presentationml/2006/main">
+  <p:cSld>
+    <p:spTree>
+      <p:nvGrpSpPr>
+        <p:cNvPr id="1" name=""/>
+        <p:cNvGrpSpPr/>
+        <p:nvPr/>
+      </p:nvGrpSpPr>
+      <p:grpSpPr>
+        <a:xfrm>
+          <a:off x="0" y="0"/>
+          <a:ext cx="0" cy="0"/>
+          <a:chOff x="0" y="0"/>
+          <a:chExt cx="0" cy="0"/>
+        </a:xfrm>
+      </p:grpSpPr>
+      <p:sp>
+        <p:nvSpPr>
+          <p:cNvPr id="2" name="Заголовок 1"/>
+          <p:cNvSpPr>
+            <a:spLocks noGrp="1"/>
+          </p:cNvSpPr>
+          <p:nvPr>
+            <p:ph type="title"/>
+          </p:nvPr>
+        </p:nvSpPr>
+        <p:spPr/>
+        <p:txBody>
+          <a:bodyPr/>
+          <a:lstStyle/>
+          <a:p>
+            <a:r>
+              <a:rPr lang="ru-RU" dirty="0" smtClean="0"/>
+              <a:t>Ссылки</a:t>
+            </a:r>
+            <a:endParaRPr lang="ru-RU" dirty="0"/>
+          </a:p>
+        </p:txBody>
+      </p:sp>
+      <p:sp>
+        <p:nvSpPr>
+          <p:cNvPr id="3" name="Содержимое 2"/>
+          <p:cNvSpPr>
+            <a:spLocks noGrp="1"/>
+          </p:cNvSpPr>
+          <p:nvPr>
+            <p:ph idx="1"/>
+          </p:nvPr>
+        </p:nvSpPr>
+        <p:spPr/>
+        <p:txBody>
+          <a:bodyPr>
+            <a:normAutofit fontScale="77500" lnSpcReduction="20000"/>
+          </a:bodyPr>
+          <a:lstStyle/>
+          <a:p>
+            <a:pPr>
+              <a:buNone/>
+            </a:pPr>
+            <a:r>
+              <a:rPr lang="ru-RU" dirty="0" smtClean="0"/>
+              <a:t>В основу проекта легла 1 и 6 открытые </a:t>
+            </a:r>
+            <a:r>
+              <a:rPr lang="ru-RU" dirty="0" smtClean="0"/>
+              <a:t>лекция курса </a:t>
+            </a:r>
+            <a:r>
+              <a:rPr lang="ru-RU" dirty="0" smtClean="0"/>
+              <a:t>«Защита информации» МФТИ:</a:t>
+            </a:r>
+          </a:p>
+          <a:p>
+            <a:r>
+              <a:rPr lang="ru-RU" u="sng" dirty="0" smtClean="0">
+                <a:hlinkClick r:id="rId2"/>
+              </a:rPr>
+              <a:t>https://www.youtube.com/watch?v=oogljMO_5wo&amp;list=PL2jwxGybEFiuQVQtrLPaH7GNB8ak29634&amp;index=1</a:t>
+            </a:r>
+            <a:endParaRPr lang="ru-RU" dirty="0" smtClean="0"/>
+          </a:p>
+          <a:p>
+            <a:r>
+              <a:rPr lang="ru-RU" u="sng" dirty="0" smtClean="0">
+                <a:hlinkClick r:id="rId3"/>
+              </a:rPr>
+              <a:t>https://www.youtube.com/watch?v=aupLf4aBjzE&amp;list=PL2jwxGybEFiuQVQtrLPaH7GNB8ak29634&amp;index=6</a:t>
+            </a:r>
+            <a:endParaRPr lang="ru-RU" dirty="0" smtClean="0"/>
+          </a:p>
+          <a:p>
+            <a:pPr>
+              <a:buNone/>
+            </a:pPr>
+            <a:endParaRPr lang="ru-RU" dirty="0" smtClean="0"/>
+          </a:p>
+          <a:p>
+            <a:pPr>
+              <a:buNone/>
+            </a:pPr>
+            <a:r>
+              <a:rPr lang="ru-RU" dirty="0" smtClean="0"/>
+              <a:t>Программа:</a:t>
+            </a:r>
+          </a:p>
+          <a:p>
+            <a:r>
+              <a:rPr lang="en-US" dirty="0" smtClean="0">
+                <a:hlinkClick r:id="rId4"/>
+              </a:rPr>
+              <a:t>https://</a:t>
+            </a:r>
+            <a:r>
+              <a:rPr lang="en-US" dirty="0" smtClean="0">
+                <a:hlinkClick r:id="rId4"/>
+              </a:rPr>
+              <a:t>github.com/alexKudryavtsev-web/project10class</a:t>
+            </a:r>
+            <a:endParaRPr lang="ru-RU" dirty="0" smtClean="0"/>
+          </a:p>
+          <a:p>
+            <a:pPr>
+              <a:buNone/>
+            </a:pPr>
+            <a:endParaRPr lang="ru-RU" dirty="0" smtClean="0"/>
+          </a:p>
+          <a:p>
+            <a:pPr>
+              <a:buNone/>
+            </a:pPr>
+            <a:r>
+              <a:rPr lang="ru-RU" dirty="0" smtClean="0"/>
+              <a:t>Методичка по теории чисел:</a:t>
+            </a:r>
+          </a:p>
+          <a:p>
+            <a:r>
+              <a:rPr lang="ru-RU" u="sng" dirty="0" smtClean="0">
+                <a:hlinkClick r:id="rId5"/>
+              </a:rPr>
+              <a:t>https://4ege.ru/matematika/56198-teoriya-chisel.html</a:t>
+            </a:r>
+            <a:endParaRPr lang="ru-RU" dirty="0" smtClean="0"/>
+          </a:p>
+          <a:p>
+            <a:endParaRPr lang="ru-RU" dirty="0"/>
+          </a:p>
+        </p:txBody>
+      </p:sp>
     </p:spTree>
   </p:cSld>
   <p:clrMapOvr>
@@ -5213,11 +5286,7 @@
           <a:p>
             <a:r>
               <a:rPr lang="ru-RU" dirty="0" smtClean="0"/>
-              <a:t>Часть 1. </a:t>
-            </a:r>
-            <a:r>
-              <a:rPr lang="ru-RU" dirty="0" smtClean="0"/>
-              <a:t>Математическая теория и принцип шифрования</a:t>
+              <a:t>Часть 1. Математическая теория и принцип шифрования</a:t>
             </a:r>
             <a:endParaRPr lang="ru-RU" dirty="0"/>
           </a:p>
@@ -5903,19 +5972,7 @@
           <a:p>
             <a:r>
               <a:rPr lang="ru-RU" dirty="0" smtClean="0"/>
-              <a:t>(</a:t>
-            </a:r>
-            <a:r>
-              <a:rPr lang="ru-RU" dirty="0" smtClean="0"/>
-              <a:t>определени</a:t>
-            </a:r>
-            <a:r>
-              <a:rPr lang="ru-RU" dirty="0" smtClean="0"/>
-              <a:t>я</a:t>
-            </a:r>
-            <a:r>
-              <a:rPr lang="ru-RU" dirty="0" smtClean="0"/>
-              <a:t>)</a:t>
+              <a:t>(определения)</a:t>
             </a:r>
             <a:endParaRPr lang="ru-RU" dirty="0"/>
           </a:p>
@@ -6082,7 +6139,6 @@
               <a:rPr lang="ru-RU" sz="2000" b="1" dirty="0" smtClean="0"/>
               <a:t>(%):</a:t>
             </a:r>
-            <a:endParaRPr lang="ru-RU" sz="2000" b="1" dirty="0" smtClean="0"/>
           </a:p>
           <a:p>
             <a:endParaRPr lang="ru-RU" sz="2000" dirty="0" smtClean="0"/>
